--- a/doc/Docs/IoT System Final Presentation_0624 - bohyun.pptx
+++ b/doc/Docs/IoT System Final Presentation_0624 - bohyun.pptx
@@ -21,7 +21,7 @@
     <p:sldId id="319" r:id="rId12"/>
     <p:sldId id="320" r:id="rId13"/>
     <p:sldId id="321" r:id="rId14"/>
-    <p:sldId id="322" r:id="rId15"/>
+    <p:sldId id="323" r:id="rId15"/>
   </p:sldIdLst>
   <p:sldSz cx="9144000" cy="6858000" type="screen4x3"/>
   <p:notesSz cx="6858000" cy="9144000"/>
@@ -138,13 +138,13 @@
             <p14:sldId id="319"/>
             <p14:sldId id="320"/>
             <p14:sldId id="321"/>
-            <p14:sldId id="322"/>
+            <p14:sldId id="323"/>
           </p14:sldIdLst>
         </p14:section>
       </p14:sectionLst>
     </p:ext>
     <p:ext uri="{EFAFB233-063F-42B5-8137-9DF3F51BA10A}">
-      <p15:sldGuideLst xmlns="" xmlns:p15="http://schemas.microsoft.com/office/powerpoint/2012/main">
+      <p15:sldGuideLst xmlns:p15="http://schemas.microsoft.com/office/powerpoint/2012/main" xmlns="">
         <p15:guide id="1" orient="horz" pos="527">
           <p15:clr>
             <a:srgbClr val="A4A3A4"/>
@@ -168,7 +168,7 @@
       </p15:sldGuideLst>
     </p:ext>
     <p:ext uri="{2D200454-40CA-4A62-9FC3-DE9A4176ACB9}">
-      <p15:notesGuideLst xmlns="" xmlns:p15="http://schemas.microsoft.com/office/powerpoint/2012/main">
+      <p15:notesGuideLst xmlns:p15="http://schemas.microsoft.com/office/powerpoint/2012/main" xmlns="">
         <p15:guide id="1" orient="horz" pos="2879">
           <p15:clr>
             <a:srgbClr val="A4A3A4"/>
@@ -6892,52 +6892,7 @@
             </a:r>
           </a:p>
           <a:p>
-            <a:pPr marL="285750" indent="-285750">
-              <a:buFontTx/>
-              <a:buChar char="-"/>
-            </a:pPr>
-            <a:r>
-              <a:rPr lang="en-US" altLang="ko-KR" sz="1200" dirty="0" smtClean="0"/>
-              <a:t>{conditions} := {condition}, {conditions}</a:t>
-            </a:r>
-          </a:p>
-          <a:p>
-            <a:pPr marL="285750" indent="-285750">
-              <a:buFontTx/>
-              <a:buChar char="-"/>
-            </a:pPr>
-            <a:r>
-              <a:rPr lang="en-US" altLang="ko-KR" sz="1200" dirty="0" smtClean="0"/>
-              <a:t>{actions}     := {actions}, {actions}</a:t>
-            </a:r>
-          </a:p>
-          <a:p>
-            <a:pPr marL="285750" indent="-285750">
-              <a:buFontTx/>
-              <a:buChar char="-"/>
-            </a:pPr>
-            <a:r>
-              <a:rPr lang="en-US" altLang="ko-KR" sz="1200" dirty="0" smtClean="0"/>
-              <a:t>{</a:t>
-            </a:r>
-            <a:r>
-              <a:rPr lang="en-US" altLang="ko-KR" sz="1200" dirty="0" err="1" smtClean="0"/>
-              <a:t>codition</a:t>
-            </a:r>
-            <a:r>
-              <a:rPr lang="en-US" altLang="ko-KR" sz="1200" dirty="0" smtClean="0"/>
-              <a:t>}    := {node id}@{thing id} == {value}#{type}</a:t>
-            </a:r>
-          </a:p>
-          <a:p>
-            <a:pPr marL="285750" indent="-285750">
-              <a:buFontTx/>
-              <a:buChar char="-"/>
-            </a:pPr>
-            <a:r>
-              <a:rPr lang="en-US" altLang="ko-KR" sz="1200" dirty="0" smtClean="0"/>
-              <a:t>{action}       := {node id}@{thing id} = {value}(Delay)?</a:t>
-            </a:r>
+            <a:pPr marL="0" indent="0"/>
             <a:endParaRPr lang="ko-KR" altLang="en-US" sz="1200" dirty="0"/>
           </a:p>
         </p:txBody>
@@ -6972,7 +6927,7 @@
       </p:sp>
       <p:pic>
         <p:nvPicPr>
-          <p:cNvPr id="4097" name="Picture 1"/>
+          <p:cNvPr id="1026" name="Picture 2" descr="C:\Users\user\Pictures\addRule.jpg"/>
           <p:cNvPicPr>
             <a:picLocks noChangeAspect="1" noChangeArrowheads="1"/>
           </p:cNvPicPr>
@@ -6993,43 +6948,20 @@
         </p:blipFill>
         <p:spPr bwMode="auto">
           <a:xfrm>
-            <a:off x="2402818" y="2276873"/>
-            <a:ext cx="6273638" cy="4464496"/>
+            <a:off x="779388" y="1408979"/>
+            <a:ext cx="7609036" cy="5044357"/>
           </a:xfrm>
           <a:prstGeom prst="rect">
             <a:avLst/>
           </a:prstGeom>
           <a:noFill/>
-          <a:ln>
-            <a:noFill/>
-          </a:ln>
-          <a:effectLst/>
           <a:extLst>
             <a:ext uri="{909E8E84-426E-40DD-AFC4-6F175D3DCCD1}">
               <a14:hiddenFill xmlns:a14="http://schemas.microsoft.com/office/drawing/2010/main">
                 <a:solidFill>
-                  <a:schemeClr val="accent1"/>
+                  <a:srgbClr val="FFFFFF"/>
                 </a:solidFill>
               </a14:hiddenFill>
-            </a:ext>
-            <a:ext uri="{91240B29-F687-4F45-9708-019B960494DF}">
-              <a14:hiddenLine xmlns:a14="http://schemas.microsoft.com/office/drawing/2010/main" w="9525">
-                <a:solidFill>
-                  <a:schemeClr val="tx1"/>
-                </a:solidFill>
-                <a:miter lim="800000"/>
-                <a:headEnd/>
-                <a:tailEnd/>
-              </a14:hiddenLine>
-            </a:ext>
-            <a:ext uri="{AF507438-7753-43E0-B8FC-AC1667EBCBE1}">
-              <a14:hiddenEffects xmlns:a14="http://schemas.microsoft.com/office/drawing/2010/main">
-                <a:effectLst>
-                  <a:outerShdw dist="35921" dir="2700000" algn="ctr" rotWithShape="0">
-                    <a:schemeClr val="bg2"/>
-                  </a:outerShdw>
-                </a:effectLst>
-              </a14:hiddenEffects>
             </a:ext>
           </a:extLst>
         </p:spPr>
@@ -7037,7 +6969,7 @@
     </p:spTree>
     <p:extLst>
       <p:ext uri="{BB962C8B-B14F-4D97-AF65-F5344CB8AC3E}">
-        <p14:creationId xmlns:p14="http://schemas.microsoft.com/office/powerpoint/2010/main" val="719155502"/>
+        <p14:creationId xmlns:p14="http://schemas.microsoft.com/office/powerpoint/2010/main" val="3361720430"/>
       </p:ext>
     </p:extLst>
   </p:cSld>
@@ -7971,15 +7903,7 @@
                   <a:schemeClr val="bg1"/>
                 </a:solidFill>
               </a:rPr>
-              <a:t>Scalability  </a:t>
-            </a:r>
-            <a:r>
-              <a:rPr lang="en-US" altLang="ko-KR" sz="1400" dirty="0" smtClean="0">
-                <a:solidFill>
-                  <a:schemeClr val="bg1"/>
-                </a:solidFill>
-              </a:rPr>
-              <a:t>	2 </a:t>
+              <a:t>Scalability  	2 </a:t>
             </a:r>
             <a:r>
               <a:rPr lang="en-US" altLang="ko-KR" sz="1400" dirty="0">
@@ -8062,23 +7986,7 @@
                   <a:schemeClr val="bg1"/>
                 </a:solidFill>
               </a:rPr>
-              <a:t>   </a:t>
-            </a:r>
-            <a:r>
-              <a:rPr lang="en-US" altLang="ko-KR" sz="1400" dirty="0" smtClean="0">
-                <a:solidFill>
-                  <a:schemeClr val="bg1"/>
-                </a:solidFill>
-              </a:rPr>
-              <a:t>Availability   </a:t>
-            </a:r>
-            <a:r>
-              <a:rPr lang="en-US" altLang="ko-KR" sz="1400" dirty="0" smtClean="0">
-                <a:solidFill>
-                  <a:schemeClr val="bg1"/>
-                </a:solidFill>
-              </a:rPr>
-              <a:t>	2 </a:t>
+              <a:t>   Availability   	2 </a:t>
             </a:r>
             <a:r>
               <a:rPr lang="en-US" altLang="ko-KR" sz="1400" dirty="0">
